--- a/output/Fig. 2 SHAP_CF.pptx
+++ b/output/Fig. 2 SHAP_CF.pptx
@@ -259,7 +259,7 @@
           <a:p>
             <a:fld id="{D1AFB33D-326E-4C37-9829-3ED4CDD18C39}" type="datetimeFigureOut">
               <a:rPr lang="zh-TW" altLang="en-US" smtClean="0"/>
-              <a:t>2025/2/3</a:t>
+              <a:t>2025/2/5</a:t>
             </a:fld>
             <a:endParaRPr lang="zh-TW" altLang="en-US"/>
           </a:p>
@@ -457,7 +457,7 @@
           <a:p>
             <a:fld id="{D1AFB33D-326E-4C37-9829-3ED4CDD18C39}" type="datetimeFigureOut">
               <a:rPr lang="zh-TW" altLang="en-US" smtClean="0"/>
-              <a:t>2025/2/3</a:t>
+              <a:t>2025/2/5</a:t>
             </a:fld>
             <a:endParaRPr lang="zh-TW" altLang="en-US"/>
           </a:p>
@@ -665,7 +665,7 @@
           <a:p>
             <a:fld id="{D1AFB33D-326E-4C37-9829-3ED4CDD18C39}" type="datetimeFigureOut">
               <a:rPr lang="zh-TW" altLang="en-US" smtClean="0"/>
-              <a:t>2025/2/3</a:t>
+              <a:t>2025/2/5</a:t>
             </a:fld>
             <a:endParaRPr lang="zh-TW" altLang="en-US"/>
           </a:p>
@@ -863,7 +863,7 @@
           <a:p>
             <a:fld id="{D1AFB33D-326E-4C37-9829-3ED4CDD18C39}" type="datetimeFigureOut">
               <a:rPr lang="zh-TW" altLang="en-US" smtClean="0"/>
-              <a:t>2025/2/3</a:t>
+              <a:t>2025/2/5</a:t>
             </a:fld>
             <a:endParaRPr lang="zh-TW" altLang="en-US"/>
           </a:p>
@@ -1138,7 +1138,7 @@
           <a:p>
             <a:fld id="{D1AFB33D-326E-4C37-9829-3ED4CDD18C39}" type="datetimeFigureOut">
               <a:rPr lang="zh-TW" altLang="en-US" smtClean="0"/>
-              <a:t>2025/2/3</a:t>
+              <a:t>2025/2/5</a:t>
             </a:fld>
             <a:endParaRPr lang="zh-TW" altLang="en-US"/>
           </a:p>
@@ -1403,7 +1403,7 @@
           <a:p>
             <a:fld id="{D1AFB33D-326E-4C37-9829-3ED4CDD18C39}" type="datetimeFigureOut">
               <a:rPr lang="zh-TW" altLang="en-US" smtClean="0"/>
-              <a:t>2025/2/3</a:t>
+              <a:t>2025/2/5</a:t>
             </a:fld>
             <a:endParaRPr lang="zh-TW" altLang="en-US"/>
           </a:p>
@@ -1815,7 +1815,7 @@
           <a:p>
             <a:fld id="{D1AFB33D-326E-4C37-9829-3ED4CDD18C39}" type="datetimeFigureOut">
               <a:rPr lang="zh-TW" altLang="en-US" smtClean="0"/>
-              <a:t>2025/2/3</a:t>
+              <a:t>2025/2/5</a:t>
             </a:fld>
             <a:endParaRPr lang="zh-TW" altLang="en-US"/>
           </a:p>
@@ -1956,7 +1956,7 @@
           <a:p>
             <a:fld id="{D1AFB33D-326E-4C37-9829-3ED4CDD18C39}" type="datetimeFigureOut">
               <a:rPr lang="zh-TW" altLang="en-US" smtClean="0"/>
-              <a:t>2025/2/3</a:t>
+              <a:t>2025/2/5</a:t>
             </a:fld>
             <a:endParaRPr lang="zh-TW" altLang="en-US"/>
           </a:p>
@@ -2069,7 +2069,7 @@
           <a:p>
             <a:fld id="{D1AFB33D-326E-4C37-9829-3ED4CDD18C39}" type="datetimeFigureOut">
               <a:rPr lang="zh-TW" altLang="en-US" smtClean="0"/>
-              <a:t>2025/2/3</a:t>
+              <a:t>2025/2/5</a:t>
             </a:fld>
             <a:endParaRPr lang="zh-TW" altLang="en-US"/>
           </a:p>
@@ -2380,7 +2380,7 @@
           <a:p>
             <a:fld id="{D1AFB33D-326E-4C37-9829-3ED4CDD18C39}" type="datetimeFigureOut">
               <a:rPr lang="zh-TW" altLang="en-US" smtClean="0"/>
-              <a:t>2025/2/3</a:t>
+              <a:t>2025/2/5</a:t>
             </a:fld>
             <a:endParaRPr lang="zh-TW" altLang="en-US"/>
           </a:p>
@@ -2668,7 +2668,7 @@
           <a:p>
             <a:fld id="{D1AFB33D-326E-4C37-9829-3ED4CDD18C39}" type="datetimeFigureOut">
               <a:rPr lang="zh-TW" altLang="en-US" smtClean="0"/>
-              <a:t>2025/2/3</a:t>
+              <a:t>2025/2/5</a:t>
             </a:fld>
             <a:endParaRPr lang="zh-TW" altLang="en-US"/>
           </a:p>
@@ -2909,7 +2909,7 @@
           <a:p>
             <a:fld id="{D1AFB33D-326E-4C37-9829-3ED4CDD18C39}" type="datetimeFigureOut">
               <a:rPr lang="zh-TW" altLang="en-US" smtClean="0"/>
-              <a:t>2025/2/3</a:t>
+              <a:t>2025/2/5</a:t>
             </a:fld>
             <a:endParaRPr lang="zh-TW" altLang="en-US"/>
           </a:p>
@@ -3328,10 +3328,10 @@
       </p:grpSpPr>
       <p:pic>
         <p:nvPicPr>
-          <p:cNvPr id="3" name="圖片 2">
-            <a:extLst>
-              <a:ext uri="{FF2B5EF4-FFF2-40B4-BE49-F238E27FC236}">
-                <a16:creationId xmlns:a16="http://schemas.microsoft.com/office/drawing/2014/main" id="{5A5E6569-599B-456B-B79B-7A1FAB5A4FE6}"/>
+          <p:cNvPr id="7" name="圖片 6">
+            <a:extLst>
+              <a:ext uri="{FF2B5EF4-FFF2-40B4-BE49-F238E27FC236}">
+                <a16:creationId xmlns:a16="http://schemas.microsoft.com/office/drawing/2014/main" id="{7A60F28E-8B81-467D-89E8-5C9C9FB2C718}"/>
               </a:ext>
             </a:extLst>
           </p:cNvPr>
@@ -3343,6 +3343,15 @@
         <p:blipFill>
           <a:blip r:embed="rId2">
             <a:extLst>
+              <a:ext uri="{BEBA8EAE-BF5A-486C-A8C5-ECC9F3942E4B}">
+                <a14:imgProps xmlns:a14="http://schemas.microsoft.com/office/drawing/2010/main">
+                  <a14:imgLayer r:embed="rId3">
+                    <a14:imgEffect>
+                      <a14:sharpenSoften amount="25000"/>
+                    </a14:imgEffect>
+                  </a14:imgLayer>
+                </a14:imgProps>
+              </a:ext>
               <a:ext uri="{28A0092B-C50C-407E-A947-70E740481C1C}">
                 <a14:useLocalDpi xmlns:a14="http://schemas.microsoft.com/office/drawing/2010/main" val="0"/>
               </a:ext>
@@ -3354,7 +3363,7 @@
         </p:blipFill>
         <p:spPr>
           <a:xfrm>
-            <a:off x="3072134" y="0"/>
+            <a:off x="3208421" y="0"/>
             <a:ext cx="5775158" cy="6858000"/>
           </a:xfrm>
           <a:prstGeom prst="rect">
@@ -3377,14 +3386,14 @@
           <p:nvPr>
             <p:extLst>
               <p:ext uri="{D42A27DB-BD31-4B8C-83A1-F6EECF244321}">
-                <p14:modId xmlns:p14="http://schemas.microsoft.com/office/powerpoint/2010/main" val="3318605890"/>
+                <p14:modId xmlns:p14="http://schemas.microsoft.com/office/powerpoint/2010/main" val="428761307"/>
               </p:ext>
             </p:extLst>
           </p:nvPr>
         </p:nvGraphicFramePr>
         <p:xfrm>
           <a:off x="2134171" y="304805"/>
-          <a:ext cx="1238815" cy="5948680"/>
+          <a:ext cx="1238815" cy="5989980"/>
         </p:xfrm>
         <a:graphic>
           <a:graphicData uri="http://schemas.openxmlformats.org/drawingml/2006/table">
@@ -3399,7 +3408,7 @@
                   </a:extLst>
                 </a:gridCol>
               </a:tblGrid>
-              <a:tr h="297434">
+              <a:tr h="299499">
                 <a:tc>
                   <a:txBody>
                     <a:bodyPr/>
@@ -3407,7 +3416,7 @@
                     <a:p>
                       <a:pPr algn="ctr" fontAlgn="ctr"/>
                       <a:r>
-                        <a:rPr lang="en-US" altLang="zh-TW" sz="1000" b="0" i="0" u="none" strike="noStrike" dirty="0">
+                        <a:rPr lang="en-US" altLang="zh-TW" sz="1050" b="0" i="0" u="none" strike="noStrike">
                           <a:solidFill>
                             <a:srgbClr val="000000"/>
                           </a:solidFill>
@@ -3416,11 +3425,11 @@
                           <a:ea typeface="新細明體" panose="02020500000000000000" pitchFamily="18" charset="-120"/>
                           <a:cs typeface="Arial" panose="020B0604020202020204" pitchFamily="34" charset="0"/>
                         </a:rPr>
-                        <a:t>0.1345</a:t>
+                        <a:t>0.1974</a:t>
                       </a:r>
                     </a:p>
                   </a:txBody>
-                  <a:tcPr marL="1896" marR="1896" marT="1896" marB="0" anchor="ctr">
+                  <a:tcPr marL="7620" marR="7620" marT="7620" marB="0" anchor="ctr">
                     <a:lnL>
                       <a:noFill/>
                     </a:lnL>
@@ -3441,7 +3450,7 @@
                   </a:ext>
                 </a:extLst>
               </a:tr>
-              <a:tr h="297434">
+              <a:tr h="299499">
                 <a:tc>
                   <a:txBody>
                     <a:bodyPr/>
@@ -3449,7 +3458,7 @@
                     <a:p>
                       <a:pPr algn="ctr" fontAlgn="ctr"/>
                       <a:r>
-                        <a:rPr lang="en-US" altLang="zh-TW" sz="1000" b="0" i="0" u="none" strike="noStrike">
+                        <a:rPr lang="en-US" altLang="zh-TW" sz="1050" b="0" i="0" u="none" strike="noStrike">
                           <a:solidFill>
                             <a:srgbClr val="000000"/>
                           </a:solidFill>
@@ -3458,11 +3467,11 @@
                           <a:ea typeface="新細明體" panose="02020500000000000000" pitchFamily="18" charset="-120"/>
                           <a:cs typeface="Arial" panose="020B0604020202020204" pitchFamily="34" charset="0"/>
                         </a:rPr>
-                        <a:t>0.1145</a:t>
+                        <a:t>0.0481</a:t>
                       </a:r>
                     </a:p>
                   </a:txBody>
-                  <a:tcPr marL="6350" marR="6350" marT="6350" marB="0" anchor="ctr">
+                  <a:tcPr marL="7620" marR="7620" marT="7620" marB="0" anchor="ctr">
                     <a:lnL>
                       <a:noFill/>
                     </a:lnL>
@@ -3483,7 +3492,7 @@
                   </a:ext>
                 </a:extLst>
               </a:tr>
-              <a:tr h="297434">
+              <a:tr h="299499">
                 <a:tc>
                   <a:txBody>
                     <a:bodyPr/>
@@ -3491,7 +3500,7 @@
                     <a:p>
                       <a:pPr algn="ctr" fontAlgn="ctr"/>
                       <a:r>
-                        <a:rPr lang="en-US" altLang="zh-TW" sz="1000" b="0" i="0" u="none" strike="noStrike" dirty="0">
+                        <a:rPr lang="en-US" altLang="zh-TW" sz="1050" b="0" i="0" u="none" strike="noStrike">
                           <a:solidFill>
                             <a:srgbClr val="000000"/>
                           </a:solidFill>
@@ -3500,11 +3509,11 @@
                           <a:ea typeface="新細明體" panose="02020500000000000000" pitchFamily="18" charset="-120"/>
                           <a:cs typeface="Arial" panose="020B0604020202020204" pitchFamily="34" charset="0"/>
                         </a:rPr>
-                        <a:t>0.0462</a:t>
+                        <a:t>0.0308</a:t>
                       </a:r>
                     </a:p>
                   </a:txBody>
-                  <a:tcPr marL="6350" marR="6350" marT="6350" marB="0" anchor="ctr">
+                  <a:tcPr marL="7620" marR="7620" marT="7620" marB="0" anchor="ctr">
                     <a:lnL>
                       <a:noFill/>
                     </a:lnL>
@@ -3525,7 +3534,7 @@
                   </a:ext>
                 </a:extLst>
               </a:tr>
-              <a:tr h="297434">
+              <a:tr h="299499">
                 <a:tc>
                   <a:txBody>
                     <a:bodyPr/>
@@ -3533,7 +3542,7 @@
                     <a:p>
                       <a:pPr algn="ctr" fontAlgn="ctr"/>
                       <a:r>
-                        <a:rPr lang="en-US" altLang="zh-TW" sz="1000" b="0" i="0" u="none" strike="noStrike">
+                        <a:rPr lang="en-US" altLang="zh-TW" sz="1050" b="0" i="0" u="none" strike="noStrike">
                           <a:solidFill>
                             <a:srgbClr val="000000"/>
                           </a:solidFill>
@@ -3542,11 +3551,11 @@
                           <a:ea typeface="新細明體" panose="02020500000000000000" pitchFamily="18" charset="-120"/>
                           <a:cs typeface="Arial" panose="020B0604020202020204" pitchFamily="34" charset="0"/>
                         </a:rPr>
-                        <a:t>0.0395</a:t>
+                        <a:t>0.0276</a:t>
                       </a:r>
                     </a:p>
                   </a:txBody>
-                  <a:tcPr marL="6350" marR="6350" marT="6350" marB="0" anchor="ctr">
+                  <a:tcPr marL="7620" marR="7620" marT="7620" marB="0" anchor="ctr">
                     <a:lnL>
                       <a:noFill/>
                     </a:lnL>
@@ -3567,7 +3576,7 @@
                   </a:ext>
                 </a:extLst>
               </a:tr>
-              <a:tr h="297434">
+              <a:tr h="299499">
                 <a:tc>
                   <a:txBody>
                     <a:bodyPr/>
@@ -3575,7 +3584,7 @@
                     <a:p>
                       <a:pPr algn="ctr" fontAlgn="ctr"/>
                       <a:r>
-                        <a:rPr lang="en-US" altLang="zh-TW" sz="1000" b="0" i="0" u="none" strike="noStrike">
+                        <a:rPr lang="en-US" altLang="zh-TW" sz="1050" b="0" i="0" u="none" strike="noStrike">
                           <a:solidFill>
                             <a:srgbClr val="000000"/>
                           </a:solidFill>
@@ -3584,11 +3593,11 @@
                           <a:ea typeface="新細明體" panose="02020500000000000000" pitchFamily="18" charset="-120"/>
                           <a:cs typeface="Arial" panose="020B0604020202020204" pitchFamily="34" charset="0"/>
                         </a:rPr>
-                        <a:t>0.0390</a:t>
+                        <a:t>0.0244</a:t>
                       </a:r>
                     </a:p>
                   </a:txBody>
-                  <a:tcPr marL="6350" marR="6350" marT="6350" marB="0" anchor="ctr">
+                  <a:tcPr marL="7620" marR="7620" marT="7620" marB="0" anchor="ctr">
                     <a:lnL>
                       <a:noFill/>
                     </a:lnL>
@@ -3609,7 +3618,7 @@
                   </a:ext>
                 </a:extLst>
               </a:tr>
-              <a:tr h="297434">
+              <a:tr h="299499">
                 <a:tc>
                   <a:txBody>
                     <a:bodyPr/>
@@ -3617,7 +3626,7 @@
                     <a:p>
                       <a:pPr algn="ctr" fontAlgn="ctr"/>
                       <a:r>
-                        <a:rPr lang="en-US" altLang="zh-TW" sz="1000" b="0" i="0" u="none" strike="noStrike">
+                        <a:rPr lang="en-US" altLang="zh-TW" sz="1050" b="0" i="0" u="none" strike="noStrike">
                           <a:solidFill>
                             <a:srgbClr val="000000"/>
                           </a:solidFill>
@@ -3626,11 +3635,11 @@
                           <a:ea typeface="新細明體" panose="02020500000000000000" pitchFamily="18" charset="-120"/>
                           <a:cs typeface="Arial" panose="020B0604020202020204" pitchFamily="34" charset="0"/>
                         </a:rPr>
-                        <a:t>0.0327</a:t>
+                        <a:t>0.0216</a:t>
                       </a:r>
                     </a:p>
                   </a:txBody>
-                  <a:tcPr marL="6350" marR="6350" marT="6350" marB="0" anchor="ctr">
+                  <a:tcPr marL="7620" marR="7620" marT="7620" marB="0" anchor="ctr">
                     <a:lnL>
                       <a:noFill/>
                     </a:lnL>
@@ -3651,7 +3660,7 @@
                   </a:ext>
                 </a:extLst>
               </a:tr>
-              <a:tr h="297434">
+              <a:tr h="299499">
                 <a:tc>
                   <a:txBody>
                     <a:bodyPr/>
@@ -3659,7 +3668,7 @@
                     <a:p>
                       <a:pPr algn="ctr" fontAlgn="ctr"/>
                       <a:r>
-                        <a:rPr lang="en-US" altLang="zh-TW" sz="1000" b="0" i="0" u="none" strike="noStrike">
+                        <a:rPr lang="en-US" altLang="zh-TW" sz="1050" b="0" i="0" u="none" strike="noStrike">
                           <a:solidFill>
                             <a:srgbClr val="000000"/>
                           </a:solidFill>
@@ -3668,11 +3677,11 @@
                           <a:ea typeface="新細明體" panose="02020500000000000000" pitchFamily="18" charset="-120"/>
                           <a:cs typeface="Arial" panose="020B0604020202020204" pitchFamily="34" charset="0"/>
                         </a:rPr>
-                        <a:t>0.0272</a:t>
+                        <a:t>0.0134</a:t>
                       </a:r>
                     </a:p>
                   </a:txBody>
-                  <a:tcPr marL="6350" marR="6350" marT="6350" marB="0" anchor="ctr">
+                  <a:tcPr marL="7620" marR="7620" marT="7620" marB="0" anchor="ctr">
                     <a:lnL>
                       <a:noFill/>
                     </a:lnL>
@@ -3693,7 +3702,7 @@
                   </a:ext>
                 </a:extLst>
               </a:tr>
-              <a:tr h="297434">
+              <a:tr h="299499">
                 <a:tc>
                   <a:txBody>
                     <a:bodyPr/>
@@ -3701,7 +3710,7 @@
                     <a:p>
                       <a:pPr algn="ctr" fontAlgn="ctr"/>
                       <a:r>
-                        <a:rPr lang="en-US" altLang="zh-TW" sz="1000" b="0" i="0" u="none" strike="noStrike">
+                        <a:rPr lang="en-US" altLang="zh-TW" sz="1050" b="0" i="0" u="none" strike="noStrike">
                           <a:solidFill>
                             <a:srgbClr val="000000"/>
                           </a:solidFill>
@@ -3710,11 +3719,11 @@
                           <a:ea typeface="新細明體" panose="02020500000000000000" pitchFamily="18" charset="-120"/>
                           <a:cs typeface="Arial" panose="020B0604020202020204" pitchFamily="34" charset="0"/>
                         </a:rPr>
-                        <a:t>0.0203</a:t>
+                        <a:t>0.0125</a:t>
                       </a:r>
                     </a:p>
                   </a:txBody>
-                  <a:tcPr marL="6350" marR="6350" marT="6350" marB="0" anchor="ctr">
+                  <a:tcPr marL="7620" marR="7620" marT="7620" marB="0" anchor="ctr">
                     <a:lnL>
                       <a:noFill/>
                     </a:lnL>
@@ -3735,7 +3744,7 @@
                   </a:ext>
                 </a:extLst>
               </a:tr>
-              <a:tr h="297434">
+              <a:tr h="299499">
                 <a:tc>
                   <a:txBody>
                     <a:bodyPr/>
@@ -3743,7 +3752,7 @@
                     <a:p>
                       <a:pPr algn="ctr" fontAlgn="ctr"/>
                       <a:r>
-                        <a:rPr lang="en-US" altLang="zh-TW" sz="1000" b="0" i="0" u="none" strike="noStrike">
+                        <a:rPr lang="en-US" altLang="zh-TW" sz="1050" b="0" i="0" u="none" strike="noStrike">
                           <a:solidFill>
                             <a:srgbClr val="000000"/>
                           </a:solidFill>
@@ -3752,11 +3761,11 @@
                           <a:ea typeface="新細明體" panose="02020500000000000000" pitchFamily="18" charset="-120"/>
                           <a:cs typeface="Arial" panose="020B0604020202020204" pitchFamily="34" charset="0"/>
                         </a:rPr>
-                        <a:t>0.0202</a:t>
+                        <a:t>0.0118</a:t>
                       </a:r>
                     </a:p>
                   </a:txBody>
-                  <a:tcPr marL="6350" marR="6350" marT="6350" marB="0" anchor="ctr">
+                  <a:tcPr marL="7620" marR="7620" marT="7620" marB="0" anchor="ctr">
                     <a:lnL>
                       <a:noFill/>
                     </a:lnL>
@@ -3777,7 +3786,7 @@
                   </a:ext>
                 </a:extLst>
               </a:tr>
-              <a:tr h="297434">
+              <a:tr h="299499">
                 <a:tc>
                   <a:txBody>
                     <a:bodyPr/>
@@ -3785,7 +3794,7 @@
                     <a:p>
                       <a:pPr algn="ctr" fontAlgn="ctr"/>
                       <a:r>
-                        <a:rPr lang="en-US" altLang="zh-TW" sz="1000" b="0" i="0" u="none" strike="noStrike">
+                        <a:rPr lang="en-US" altLang="zh-TW" sz="1050" b="0" i="0" u="none" strike="noStrike" dirty="0">
                           <a:solidFill>
                             <a:srgbClr val="000000"/>
                           </a:solidFill>
@@ -3794,11 +3803,11 @@
                           <a:ea typeface="新細明體" panose="02020500000000000000" pitchFamily="18" charset="-120"/>
                           <a:cs typeface="Arial" panose="020B0604020202020204" pitchFamily="34" charset="0"/>
                         </a:rPr>
-                        <a:t>0.0091</a:t>
+                        <a:t>0.0101</a:t>
                       </a:r>
                     </a:p>
                   </a:txBody>
-                  <a:tcPr marL="6350" marR="6350" marT="6350" marB="0" anchor="ctr">
+                  <a:tcPr marL="7620" marR="7620" marT="7620" marB="0" anchor="ctr">
                     <a:lnL>
                       <a:noFill/>
                     </a:lnL>
@@ -3819,7 +3828,7 @@
                   </a:ext>
                 </a:extLst>
               </a:tr>
-              <a:tr h="297434">
+              <a:tr h="299499">
                 <a:tc>
                   <a:txBody>
                     <a:bodyPr/>
@@ -3827,7 +3836,7 @@
                     <a:p>
                       <a:pPr algn="ctr" fontAlgn="ctr"/>
                       <a:r>
-                        <a:rPr lang="en-US" altLang="zh-TW" sz="1000" b="0" i="0" u="none" strike="noStrike">
+                        <a:rPr lang="en-US" altLang="zh-TW" sz="1050" b="0" i="0" u="none" strike="noStrike">
                           <a:solidFill>
                             <a:srgbClr val="000000"/>
                           </a:solidFill>
@@ -3836,11 +3845,11 @@
                           <a:ea typeface="新細明體" panose="02020500000000000000" pitchFamily="18" charset="-120"/>
                           <a:cs typeface="Arial" panose="020B0604020202020204" pitchFamily="34" charset="0"/>
                         </a:rPr>
-                        <a:t>0.0073</a:t>
+                        <a:t>0.0065</a:t>
                       </a:r>
                     </a:p>
                   </a:txBody>
-                  <a:tcPr marL="6350" marR="6350" marT="6350" marB="0" anchor="ctr">
+                  <a:tcPr marL="7620" marR="7620" marT="7620" marB="0" anchor="ctr">
                     <a:lnL>
                       <a:noFill/>
                     </a:lnL>
@@ -3861,7 +3870,7 @@
                   </a:ext>
                 </a:extLst>
               </a:tr>
-              <a:tr h="297434">
+              <a:tr h="299499">
                 <a:tc>
                   <a:txBody>
                     <a:bodyPr/>
@@ -3869,7 +3878,7 @@
                     <a:p>
                       <a:pPr algn="ctr" fontAlgn="ctr"/>
                       <a:r>
-                        <a:rPr lang="en-US" altLang="zh-TW" sz="1000" b="0" i="0" u="none" strike="noStrike">
+                        <a:rPr lang="en-US" altLang="zh-TW" sz="1050" b="0" i="0" u="none" strike="noStrike">
                           <a:solidFill>
                             <a:srgbClr val="000000"/>
                           </a:solidFill>
@@ -3878,11 +3887,11 @@
                           <a:ea typeface="新細明體" panose="02020500000000000000" pitchFamily="18" charset="-120"/>
                           <a:cs typeface="Arial" panose="020B0604020202020204" pitchFamily="34" charset="0"/>
                         </a:rPr>
-                        <a:t>0.0066</a:t>
+                        <a:t>0.0048</a:t>
                       </a:r>
                     </a:p>
                   </a:txBody>
-                  <a:tcPr marL="6350" marR="6350" marT="6350" marB="0" anchor="ctr">
+                  <a:tcPr marL="7620" marR="7620" marT="7620" marB="0" anchor="ctr">
                     <a:lnL>
                       <a:noFill/>
                     </a:lnL>
@@ -3903,7 +3912,7 @@
                   </a:ext>
                 </a:extLst>
               </a:tr>
-              <a:tr h="297434">
+              <a:tr h="299499">
                 <a:tc>
                   <a:txBody>
                     <a:bodyPr/>
@@ -3911,7 +3920,7 @@
                     <a:p>
                       <a:pPr algn="ctr" fontAlgn="ctr"/>
                       <a:r>
-                        <a:rPr lang="en-US" altLang="zh-TW" sz="1000" b="0" i="0" u="none" strike="noStrike">
+                        <a:rPr lang="en-US" altLang="zh-TW" sz="1050" b="0" i="0" u="none" strike="noStrike">
                           <a:solidFill>
                             <a:srgbClr val="000000"/>
                           </a:solidFill>
@@ -3920,11 +3929,11 @@
                           <a:ea typeface="新細明體" panose="02020500000000000000" pitchFamily="18" charset="-120"/>
                           <a:cs typeface="Arial" panose="020B0604020202020204" pitchFamily="34" charset="0"/>
                         </a:rPr>
-                        <a:t>0.0066</a:t>
+                        <a:t>0.0032</a:t>
                       </a:r>
                     </a:p>
                   </a:txBody>
-                  <a:tcPr marL="6350" marR="6350" marT="6350" marB="0" anchor="ctr">
+                  <a:tcPr marL="7620" marR="7620" marT="7620" marB="0" anchor="ctr">
                     <a:lnL>
                       <a:noFill/>
                     </a:lnL>
@@ -3945,7 +3954,7 @@
                   </a:ext>
                 </a:extLst>
               </a:tr>
-              <a:tr h="297434">
+              <a:tr h="299499">
                 <a:tc>
                   <a:txBody>
                     <a:bodyPr/>
@@ -3953,7 +3962,7 @@
                     <a:p>
                       <a:pPr algn="ctr" fontAlgn="ctr"/>
                       <a:r>
-                        <a:rPr lang="en-US" altLang="zh-TW" sz="1000" b="0" i="0" u="none" strike="noStrike">
+                        <a:rPr lang="en-US" altLang="zh-TW" sz="1050" b="0" i="0" u="none" strike="noStrike">
                           <a:solidFill>
                             <a:srgbClr val="000000"/>
                           </a:solidFill>
@@ -3962,11 +3971,11 @@
                           <a:ea typeface="新細明體" panose="02020500000000000000" pitchFamily="18" charset="-120"/>
                           <a:cs typeface="Arial" panose="020B0604020202020204" pitchFamily="34" charset="0"/>
                         </a:rPr>
-                        <a:t>0.0060</a:t>
+                        <a:t>0.0032</a:t>
                       </a:r>
                     </a:p>
                   </a:txBody>
-                  <a:tcPr marL="6350" marR="6350" marT="6350" marB="0" anchor="ctr">
+                  <a:tcPr marL="7620" marR="7620" marT="7620" marB="0" anchor="ctr">
                     <a:lnL>
                       <a:noFill/>
                     </a:lnL>
@@ -3987,7 +3996,7 @@
                   </a:ext>
                 </a:extLst>
               </a:tr>
-              <a:tr h="297434">
+              <a:tr h="299499">
                 <a:tc>
                   <a:txBody>
                     <a:bodyPr/>
@@ -3995,7 +4004,7 @@
                     <a:p>
                       <a:pPr algn="ctr" fontAlgn="ctr"/>
                       <a:r>
-                        <a:rPr lang="en-US" altLang="zh-TW" sz="1000" b="0" i="0" u="none" strike="noStrike">
+                        <a:rPr lang="en-US" altLang="zh-TW" sz="1050" b="0" i="0" u="none" strike="noStrike">
                           <a:solidFill>
                             <a:srgbClr val="000000"/>
                           </a:solidFill>
@@ -4004,11 +4013,11 @@
                           <a:ea typeface="新細明體" panose="02020500000000000000" pitchFamily="18" charset="-120"/>
                           <a:cs typeface="Arial" panose="020B0604020202020204" pitchFamily="34" charset="0"/>
                         </a:rPr>
-                        <a:t>0.0054</a:t>
+                        <a:t>0.0023</a:t>
                       </a:r>
                     </a:p>
                   </a:txBody>
-                  <a:tcPr marL="6350" marR="6350" marT="6350" marB="0" anchor="ctr">
+                  <a:tcPr marL="7620" marR="7620" marT="7620" marB="0" anchor="ctr">
                     <a:lnL>
                       <a:noFill/>
                     </a:lnL>
@@ -4029,7 +4038,7 @@
                   </a:ext>
                 </a:extLst>
               </a:tr>
-              <a:tr h="297434">
+              <a:tr h="299499">
                 <a:tc>
                   <a:txBody>
                     <a:bodyPr/>
@@ -4037,7 +4046,7 @@
                     <a:p>
                       <a:pPr algn="ctr" fontAlgn="ctr"/>
                       <a:r>
-                        <a:rPr lang="en-US" altLang="zh-TW" sz="1000" b="0" i="0" u="none" strike="noStrike">
+                        <a:rPr lang="en-US" altLang="zh-TW" sz="1050" b="0" i="0" u="none" strike="noStrike">
                           <a:solidFill>
                             <a:srgbClr val="000000"/>
                           </a:solidFill>
@@ -4046,11 +4055,11 @@
                           <a:ea typeface="新細明體" panose="02020500000000000000" pitchFamily="18" charset="-120"/>
                           <a:cs typeface="Arial" panose="020B0604020202020204" pitchFamily="34" charset="0"/>
                         </a:rPr>
-                        <a:t>0.0050</a:t>
+                        <a:t>0.0023</a:t>
                       </a:r>
                     </a:p>
                   </a:txBody>
-                  <a:tcPr marL="6350" marR="6350" marT="6350" marB="0" anchor="ctr">
+                  <a:tcPr marL="7620" marR="7620" marT="7620" marB="0" anchor="ctr">
                     <a:lnL>
                       <a:noFill/>
                     </a:lnL>
@@ -4071,7 +4080,7 @@
                   </a:ext>
                 </a:extLst>
               </a:tr>
-              <a:tr h="297434">
+              <a:tr h="299499">
                 <a:tc>
                   <a:txBody>
                     <a:bodyPr/>
@@ -4079,7 +4088,7 @@
                     <a:p>
                       <a:pPr algn="ctr" fontAlgn="ctr"/>
                       <a:r>
-                        <a:rPr lang="en-US" altLang="zh-TW" sz="1000" b="0" i="0" u="none" strike="noStrike">
+                        <a:rPr lang="en-US" altLang="zh-TW" sz="1050" b="0" i="0" u="none" strike="noStrike">
                           <a:solidFill>
                             <a:srgbClr val="000000"/>
                           </a:solidFill>
@@ -4088,11 +4097,11 @@
                           <a:ea typeface="新細明體" panose="02020500000000000000" pitchFamily="18" charset="-120"/>
                           <a:cs typeface="Arial" panose="020B0604020202020204" pitchFamily="34" charset="0"/>
                         </a:rPr>
-                        <a:t>0.0044</a:t>
+                        <a:t>0.0023</a:t>
                       </a:r>
                     </a:p>
                   </a:txBody>
-                  <a:tcPr marL="6350" marR="6350" marT="6350" marB="0" anchor="ctr">
+                  <a:tcPr marL="7620" marR="7620" marT="7620" marB="0" anchor="ctr">
                     <a:lnL>
                       <a:noFill/>
                     </a:lnL>
@@ -4113,7 +4122,7 @@
                   </a:ext>
                 </a:extLst>
               </a:tr>
-              <a:tr h="297434">
+              <a:tr h="299499">
                 <a:tc>
                   <a:txBody>
                     <a:bodyPr/>
@@ -4121,7 +4130,7 @@
                     <a:p>
                       <a:pPr algn="ctr" fontAlgn="ctr"/>
                       <a:r>
-                        <a:rPr lang="en-US" altLang="zh-TW" sz="1000" b="0" i="0" u="none" strike="noStrike" dirty="0">
+                        <a:rPr lang="en-US" altLang="zh-TW" sz="1050" b="0" i="0" u="none" strike="noStrike">
                           <a:solidFill>
                             <a:srgbClr val="000000"/>
                           </a:solidFill>
@@ -4130,11 +4139,11 @@
                           <a:ea typeface="新細明體" panose="02020500000000000000" pitchFamily="18" charset="-120"/>
                           <a:cs typeface="Arial" panose="020B0604020202020204" pitchFamily="34" charset="0"/>
                         </a:rPr>
-                        <a:t>0.0042</a:t>
+                        <a:t>0.0017</a:t>
                       </a:r>
                     </a:p>
                   </a:txBody>
-                  <a:tcPr marL="6350" marR="6350" marT="6350" marB="0" anchor="ctr">
+                  <a:tcPr marL="7620" marR="7620" marT="7620" marB="0" anchor="ctr">
                     <a:lnL>
                       <a:noFill/>
                     </a:lnL>
@@ -4155,7 +4164,7 @@
                   </a:ext>
                 </a:extLst>
               </a:tr>
-              <a:tr h="297434">
+              <a:tr h="299499">
                 <a:tc>
                   <a:txBody>
                     <a:bodyPr/>
@@ -4163,7 +4172,7 @@
                     <a:p>
                       <a:pPr algn="ctr" fontAlgn="ctr"/>
                       <a:r>
-                        <a:rPr lang="en-US" altLang="zh-TW" sz="1000" b="0" i="0" u="none" strike="noStrike">
+                        <a:rPr lang="en-US" altLang="zh-TW" sz="1050" b="0" i="0" u="none" strike="noStrike">
                           <a:solidFill>
                             <a:srgbClr val="000000"/>
                           </a:solidFill>
@@ -4172,11 +4181,11 @@
                           <a:ea typeface="新細明體" panose="02020500000000000000" pitchFamily="18" charset="-120"/>
                           <a:cs typeface="Arial" panose="020B0604020202020204" pitchFamily="34" charset="0"/>
                         </a:rPr>
-                        <a:t>0.0035</a:t>
+                        <a:t>0.0012</a:t>
                       </a:r>
                     </a:p>
                   </a:txBody>
-                  <a:tcPr marL="6350" marR="6350" marT="6350" marB="0" anchor="ctr">
+                  <a:tcPr marL="7620" marR="7620" marT="7620" marB="0" anchor="ctr">
                     <a:lnL>
                       <a:noFill/>
                     </a:lnL>
@@ -4197,7 +4206,7 @@
                   </a:ext>
                 </a:extLst>
               </a:tr>
-              <a:tr h="297434">
+              <a:tr h="299499">
                 <a:tc>
                   <a:txBody>
                     <a:bodyPr/>
@@ -4205,7 +4214,7 @@
                     <a:p>
                       <a:pPr algn="ctr" fontAlgn="ctr"/>
                       <a:r>
-                        <a:rPr lang="en-US" altLang="zh-TW" sz="1000" b="0" i="0" u="none" strike="noStrike" dirty="0">
+                        <a:rPr lang="en-US" altLang="zh-TW" sz="1050" b="0" i="0" u="none" strike="noStrike" dirty="0">
                           <a:solidFill>
                             <a:srgbClr val="000000"/>
                           </a:solidFill>
@@ -4214,11 +4223,11 @@
                           <a:ea typeface="新細明體" panose="02020500000000000000" pitchFamily="18" charset="-120"/>
                           <a:cs typeface="Arial" panose="020B0604020202020204" pitchFamily="34" charset="0"/>
                         </a:rPr>
-                        <a:t>0.0027</a:t>
+                        <a:t>0.0010</a:t>
                       </a:r>
                     </a:p>
                   </a:txBody>
-                  <a:tcPr marL="6350" marR="6350" marT="6350" marB="0" anchor="ctr">
+                  <a:tcPr marL="7620" marR="7620" marT="7620" marB="0" anchor="ctr">
                     <a:lnL>
                       <a:noFill/>
                     </a:lnL>
@@ -4257,8 +4266,8 @@
         </p:nvSpPr>
         <p:spPr>
           <a:xfrm>
-            <a:off x="2028732" y="0"/>
-            <a:ext cx="1449691" cy="404406"/>
+            <a:off x="1995571" y="-92600"/>
+            <a:ext cx="1489510" cy="404406"/>
           </a:xfrm>
           <a:prstGeom prst="rect">
             <a:avLst/>
@@ -4276,11 +4285,53 @@
               </a:lnSpc>
             </a:pPr>
             <a:r>
-              <a:rPr lang="en-US" altLang="zh-TW" sz="1200" dirty="0">
+              <a:rPr lang="en-US" altLang="zh-TW" sz="1200" b="1" dirty="0">
                 <a:latin typeface="Arial" panose="020B0604020202020204" pitchFamily="34" charset="0"/>
                 <a:cs typeface="Arial" panose="020B0604020202020204" pitchFamily="34" charset="0"/>
               </a:rPr>
               <a:t>Mean SHAP Value</a:t>
+            </a:r>
+          </a:p>
+        </p:txBody>
+      </p:sp>
+      <p:sp>
+        <p:nvSpPr>
+          <p:cNvPr id="9" name="矩形 8">
+            <a:extLst>
+              <a:ext uri="{FF2B5EF4-FFF2-40B4-BE49-F238E27FC236}">
+                <a16:creationId xmlns:a16="http://schemas.microsoft.com/office/drawing/2014/main" id="{FFFEE462-259E-44B5-9306-D6EF98275381}"/>
+              </a:ext>
+            </a:extLst>
+          </p:cNvPr>
+          <p:cNvSpPr/>
+          <p:nvPr/>
+        </p:nvSpPr>
+        <p:spPr>
+          <a:xfrm>
+            <a:off x="4599676" y="-92600"/>
+            <a:ext cx="1160702" cy="404406"/>
+          </a:xfrm>
+          <a:prstGeom prst="rect">
+            <a:avLst/>
+          </a:prstGeom>
+        </p:spPr>
+        <p:txBody>
+          <a:bodyPr wrap="none" anchor="ctr" anchorCtr="0">
+            <a:normAutofit/>
+          </a:bodyPr>
+          <a:lstStyle/>
+          <a:p>
+            <a:pPr algn="ctr">
+              <a:lnSpc>
+                <a:spcPct val="200000"/>
+              </a:lnSpc>
+            </a:pPr>
+            <a:r>
+              <a:rPr lang="en-US" altLang="zh-TW" sz="1200" b="1" dirty="0">
+                <a:latin typeface="Arial" panose="020B0604020202020204" pitchFamily="34" charset="0"/>
+                <a:cs typeface="Arial" panose="020B0604020202020204" pitchFamily="34" charset="0"/>
+              </a:rPr>
+              <a:t>Variable name</a:t>
             </a:r>
           </a:p>
         </p:txBody>
